--- a/public/eureka/uml/演示文稿1.pptx
+++ b/public/eureka/uml/演示文稿1.pptx
@@ -6,6 +6,7 @@
   </p:sldMasterIdLst>
   <p:sldIdLst>
     <p:sldId id="256" r:id="rId2"/>
+    <p:sldId id="257" r:id="rId3"/>
   </p:sldIdLst>
   <p:sldSz cx="12192000" cy="6858000"/>
   <p:notesSz cx="6858000" cy="9144000"/>
@@ -104,7 +105,38 @@
       </a:defRPr>
     </a:lvl9pPr>
   </p:defaultTextStyle>
+  <p:extLst>
+    <p:ext uri="{521415D9-36F7-43E2-AB2F-B90AF26B5E84}">
+      <p14:sectionLst xmlns:p14="http://schemas.microsoft.com/office/powerpoint/2010/main">
+        <p14:section name="默认节" id="{0804F85E-3ED6-4A34-BF2A-BB5B03F7B1AE}">
+          <p14:sldIdLst>
+            <p14:sldId id="256"/>
+          </p14:sldIdLst>
+        </p14:section>
+        <p14:section name="默认节" id="{FBDE856C-7480-4CB6-ADFC-91B2BDD94649}">
+          <p14:sldIdLst>
+            <p14:sldId id="257"/>
+          </p14:sldIdLst>
+        </p14:section>
+      </p14:sectionLst>
+    </p:ext>
+    <p:ext uri="{EFAFB233-063F-42B5-8137-9DF3F51BA10A}">
+      <p15:sldGuideLst xmlns:p15="http://schemas.microsoft.com/office/powerpoint/2012/main"/>
+    </p:ext>
+  </p:extLst>
 </p:presentation>
+</file>
+
+<file path=ppt/commentAuthors.xml><?xml version="1.0" encoding="utf-8"?>
+<p:cmAuthorLst xmlns:a="http://schemas.openxmlformats.org/drawingml/2006/main" xmlns:r="http://schemas.openxmlformats.org/officeDocument/2006/relationships" xmlns:p="http://schemas.openxmlformats.org/presentationml/2006/main">
+  <p:cmAuthor id="1" name="Administrator" initials="A" lastIdx="1" clrIdx="0">
+    <p:extLst>
+      <p:ext uri="{19B8F6BF-5375-455C-9EA6-DF929625EA0E}">
+        <p15:presenceInfo xmlns:p15="http://schemas.microsoft.com/office/powerpoint/2012/main" userId="Administrator" providerId="None"/>
+      </p:ext>
+    </p:extLst>
+  </p:cmAuthor>
+</p:cmAuthorLst>
 </file>
 
 <file path=ppt/slideLayouts/slideLayout1.xml><?xml version="1.0" encoding="utf-8"?>
@@ -254,7 +286,7 @@
           <a:p>
             <a:fld id="{B55794FC-30F6-4257-9670-95B4BA2316D9}" type="datetimeFigureOut">
               <a:rPr lang="zh-CN" altLang="en-US" smtClean="0"/>
-              <a:t>2020/12/16</a:t>
+              <a:t>2020/12/17</a:t>
             </a:fld>
             <a:endParaRPr lang="zh-CN" altLang="en-US"/>
           </a:p>
@@ -452,7 +484,7 @@
           <a:p>
             <a:fld id="{B55794FC-30F6-4257-9670-95B4BA2316D9}" type="datetimeFigureOut">
               <a:rPr lang="zh-CN" altLang="en-US" smtClean="0"/>
-              <a:t>2020/12/16</a:t>
+              <a:t>2020/12/17</a:t>
             </a:fld>
             <a:endParaRPr lang="zh-CN" altLang="en-US"/>
           </a:p>
@@ -660,7 +692,7 @@
           <a:p>
             <a:fld id="{B55794FC-30F6-4257-9670-95B4BA2316D9}" type="datetimeFigureOut">
               <a:rPr lang="zh-CN" altLang="en-US" smtClean="0"/>
-              <a:t>2020/12/16</a:t>
+              <a:t>2020/12/17</a:t>
             </a:fld>
             <a:endParaRPr lang="zh-CN" altLang="en-US"/>
           </a:p>
@@ -858,7 +890,7 @@
           <a:p>
             <a:fld id="{B55794FC-30F6-4257-9670-95B4BA2316D9}" type="datetimeFigureOut">
               <a:rPr lang="zh-CN" altLang="en-US" smtClean="0"/>
-              <a:t>2020/12/16</a:t>
+              <a:t>2020/12/17</a:t>
             </a:fld>
             <a:endParaRPr lang="zh-CN" altLang="en-US"/>
           </a:p>
@@ -1133,7 +1165,7 @@
           <a:p>
             <a:fld id="{B55794FC-30F6-4257-9670-95B4BA2316D9}" type="datetimeFigureOut">
               <a:rPr lang="zh-CN" altLang="en-US" smtClean="0"/>
-              <a:t>2020/12/16</a:t>
+              <a:t>2020/12/17</a:t>
             </a:fld>
             <a:endParaRPr lang="zh-CN" altLang="en-US"/>
           </a:p>
@@ -1398,7 +1430,7 @@
           <a:p>
             <a:fld id="{B55794FC-30F6-4257-9670-95B4BA2316D9}" type="datetimeFigureOut">
               <a:rPr lang="zh-CN" altLang="en-US" smtClean="0"/>
-              <a:t>2020/12/16</a:t>
+              <a:t>2020/12/17</a:t>
             </a:fld>
             <a:endParaRPr lang="zh-CN" altLang="en-US"/>
           </a:p>
@@ -1810,7 +1842,7 @@
           <a:p>
             <a:fld id="{B55794FC-30F6-4257-9670-95B4BA2316D9}" type="datetimeFigureOut">
               <a:rPr lang="zh-CN" altLang="en-US" smtClean="0"/>
-              <a:t>2020/12/16</a:t>
+              <a:t>2020/12/17</a:t>
             </a:fld>
             <a:endParaRPr lang="zh-CN" altLang="en-US"/>
           </a:p>
@@ -1951,7 +1983,7 @@
           <a:p>
             <a:fld id="{B55794FC-30F6-4257-9670-95B4BA2316D9}" type="datetimeFigureOut">
               <a:rPr lang="zh-CN" altLang="en-US" smtClean="0"/>
-              <a:t>2020/12/16</a:t>
+              <a:t>2020/12/17</a:t>
             </a:fld>
             <a:endParaRPr lang="zh-CN" altLang="en-US"/>
           </a:p>
@@ -2064,7 +2096,7 @@
           <a:p>
             <a:fld id="{B55794FC-30F6-4257-9670-95B4BA2316D9}" type="datetimeFigureOut">
               <a:rPr lang="zh-CN" altLang="en-US" smtClean="0"/>
-              <a:t>2020/12/16</a:t>
+              <a:t>2020/12/17</a:t>
             </a:fld>
             <a:endParaRPr lang="zh-CN" altLang="en-US"/>
           </a:p>
@@ -2375,7 +2407,7 @@
           <a:p>
             <a:fld id="{B55794FC-30F6-4257-9670-95B4BA2316D9}" type="datetimeFigureOut">
               <a:rPr lang="zh-CN" altLang="en-US" smtClean="0"/>
-              <a:t>2020/12/16</a:t>
+              <a:t>2020/12/17</a:t>
             </a:fld>
             <a:endParaRPr lang="zh-CN" altLang="en-US"/>
           </a:p>
@@ -2663,7 +2695,7 @@
           <a:p>
             <a:fld id="{B55794FC-30F6-4257-9670-95B4BA2316D9}" type="datetimeFigureOut">
               <a:rPr lang="zh-CN" altLang="en-US" smtClean="0"/>
-              <a:t>2020/12/16</a:t>
+              <a:t>2020/12/17</a:t>
             </a:fld>
             <a:endParaRPr lang="zh-CN" altLang="en-US"/>
           </a:p>
@@ -2904,7 +2936,7 @@
           <a:p>
             <a:fld id="{B55794FC-30F6-4257-9670-95B4BA2316D9}" type="datetimeFigureOut">
               <a:rPr lang="zh-CN" altLang="en-US" smtClean="0"/>
-              <a:t>2020/12/16</a:t>
+              <a:t>2020/12/17</a:t>
             </a:fld>
             <a:endParaRPr lang="zh-CN" altLang="en-US"/>
           </a:p>
@@ -3828,6 +3860,36 @@
 </p:sld>
 </file>
 
+<file path=ppt/slides/slide2.xml><?xml version="1.0" encoding="utf-8"?>
+<p:sld xmlns:a="http://schemas.openxmlformats.org/drawingml/2006/main" xmlns:r="http://schemas.openxmlformats.org/officeDocument/2006/relationships" xmlns:p="http://schemas.openxmlformats.org/presentationml/2006/main">
+  <p:cSld>
+    <p:spTree>
+      <p:nvGrpSpPr>
+        <p:cNvPr id="1" name=""/>
+        <p:cNvGrpSpPr/>
+        <p:nvPr/>
+      </p:nvGrpSpPr>
+      <p:grpSpPr>
+        <a:xfrm>
+          <a:off x="0" y="0"/>
+          <a:ext cx="0" cy="0"/>
+          <a:chOff x="0" y="0"/>
+          <a:chExt cx="0" cy="0"/>
+        </a:xfrm>
+      </p:grpSpPr>
+    </p:spTree>
+    <p:extLst>
+      <p:ext uri="{BB962C8B-B14F-4D97-AF65-F5344CB8AC3E}">
+        <p14:creationId xmlns:p14="http://schemas.microsoft.com/office/powerpoint/2010/main" val="1158385097"/>
+      </p:ext>
+    </p:extLst>
+  </p:cSld>
+  <p:clrMapOvr>
+    <a:masterClrMapping/>
+  </p:clrMapOvr>
+</p:sld>
+</file>
+
 <file path=ppt/theme/theme1.xml><?xml version="1.0" encoding="utf-8"?>
 <a:theme xmlns:a="http://schemas.openxmlformats.org/drawingml/2006/main" name="Office 主题​​">
   <a:themeElements>
@@ -4113,7 +4175,31 @@
       </a:bgFillStyleLst>
     </a:fmtScheme>
   </a:themeElements>
-  <a:objectDefaults/>
+  <a:objectDefaults>
+    <a:spDef>
+      <a:spPr/>
+      <a:bodyPr rtlCol="0" anchor="ctr"/>
+      <a:lstStyle>
+        <a:defPPr algn="ctr">
+          <a:defRPr smtClean="0"/>
+        </a:defPPr>
+      </a:lstStyle>
+      <a:style>
+        <a:lnRef idx="2">
+          <a:schemeClr val="dk1"/>
+        </a:lnRef>
+        <a:fillRef idx="1">
+          <a:schemeClr val="lt1"/>
+        </a:fillRef>
+        <a:effectRef idx="0">
+          <a:schemeClr val="dk1"/>
+        </a:effectRef>
+        <a:fontRef idx="minor">
+          <a:schemeClr val="dk1"/>
+        </a:fontRef>
+      </a:style>
+    </a:spDef>
+  </a:objectDefaults>
   <a:extraClrSchemeLst/>
   <a:extLst>
     <a:ext uri="{05A4C25C-085E-4340-85A3-A5531E510DB2}">
